--- a/Presentations/Magnetometer Based Force Sensor.pptx
+++ b/Presentations/Magnetometer Based Force Sensor.pptx
@@ -115,6 +115,11 @@
       </a:defRPr>
     </a:lvl9pPr>
   </p:defaultTextStyle>
+  <p:extLst>
+    <p:ext uri="{EFAFB233-063F-42B5-8137-9DF3F51BA10A}">
+      <p15:sldGuideLst xmlns:p15="http://schemas.microsoft.com/office/powerpoint/2012/main"/>
+    </p:ext>
+  </p:extLst>
 </p:presentation>
 </file>
 
@@ -200,7 +205,7 @@
           <a:p>
             <a:fld id="{367B3D84-164A-3A49-928D-EB691F8E8579}" type="datetimeFigureOut">
               <a:rPr lang="en-US" smtClean="0"/>
-              <a:t>5/24/23</a:t>
+              <a:t>5/25/23</a:t>
             </a:fld>
             <a:endParaRPr lang="en-US"/>
           </a:p>
@@ -698,7 +703,7 @@
           <a:p>
             <a:fld id="{FD98F357-C595-094C-9E45-CD7E9D6649B2}" type="datetimeFigureOut">
               <a:rPr lang="en-US" smtClean="0"/>
-              <a:t>5/24/23</a:t>
+              <a:t>5/25/23</a:t>
             </a:fld>
             <a:endParaRPr lang="en-US"/>
           </a:p>
@@ -896,7 +901,7 @@
           <a:p>
             <a:fld id="{FD98F357-C595-094C-9E45-CD7E9D6649B2}" type="datetimeFigureOut">
               <a:rPr lang="en-US" smtClean="0"/>
-              <a:t>5/24/23</a:t>
+              <a:t>5/25/23</a:t>
             </a:fld>
             <a:endParaRPr lang="en-US"/>
           </a:p>
@@ -1104,7 +1109,7 @@
           <a:p>
             <a:fld id="{FD98F357-C595-094C-9E45-CD7E9D6649B2}" type="datetimeFigureOut">
               <a:rPr lang="en-US" smtClean="0"/>
-              <a:t>5/24/23</a:t>
+              <a:t>5/25/23</a:t>
             </a:fld>
             <a:endParaRPr lang="en-US"/>
           </a:p>
@@ -1302,7 +1307,7 @@
           <a:p>
             <a:fld id="{FD98F357-C595-094C-9E45-CD7E9D6649B2}" type="datetimeFigureOut">
               <a:rPr lang="en-US" smtClean="0"/>
-              <a:t>5/24/23</a:t>
+              <a:t>5/25/23</a:t>
             </a:fld>
             <a:endParaRPr lang="en-US"/>
           </a:p>
@@ -1577,7 +1582,7 @@
           <a:p>
             <a:fld id="{FD98F357-C595-094C-9E45-CD7E9D6649B2}" type="datetimeFigureOut">
               <a:rPr lang="en-US" smtClean="0"/>
-              <a:t>5/24/23</a:t>
+              <a:t>5/25/23</a:t>
             </a:fld>
             <a:endParaRPr lang="en-US"/>
           </a:p>
@@ -1842,7 +1847,7 @@
           <a:p>
             <a:fld id="{FD98F357-C595-094C-9E45-CD7E9D6649B2}" type="datetimeFigureOut">
               <a:rPr lang="en-US" smtClean="0"/>
-              <a:t>5/24/23</a:t>
+              <a:t>5/25/23</a:t>
             </a:fld>
             <a:endParaRPr lang="en-US"/>
           </a:p>
@@ -2254,7 +2259,7 @@
           <a:p>
             <a:fld id="{FD98F357-C595-094C-9E45-CD7E9D6649B2}" type="datetimeFigureOut">
               <a:rPr lang="en-US" smtClean="0"/>
-              <a:t>5/24/23</a:t>
+              <a:t>5/25/23</a:t>
             </a:fld>
             <a:endParaRPr lang="en-US"/>
           </a:p>
@@ -2395,7 +2400,7 @@
           <a:p>
             <a:fld id="{FD98F357-C595-094C-9E45-CD7E9D6649B2}" type="datetimeFigureOut">
               <a:rPr lang="en-US" smtClean="0"/>
-              <a:t>5/24/23</a:t>
+              <a:t>5/25/23</a:t>
             </a:fld>
             <a:endParaRPr lang="en-US"/>
           </a:p>
@@ -2508,7 +2513,7 @@
           <a:p>
             <a:fld id="{FD98F357-C595-094C-9E45-CD7E9D6649B2}" type="datetimeFigureOut">
               <a:rPr lang="en-US" smtClean="0"/>
-              <a:t>5/24/23</a:t>
+              <a:t>5/25/23</a:t>
             </a:fld>
             <a:endParaRPr lang="en-US"/>
           </a:p>
@@ -2819,7 +2824,7 @@
           <a:p>
             <a:fld id="{FD98F357-C595-094C-9E45-CD7E9D6649B2}" type="datetimeFigureOut">
               <a:rPr lang="en-US" smtClean="0"/>
-              <a:t>5/24/23</a:t>
+              <a:t>5/25/23</a:t>
             </a:fld>
             <a:endParaRPr lang="en-US"/>
           </a:p>
@@ -3107,7 +3112,7 @@
           <a:p>
             <a:fld id="{FD98F357-C595-094C-9E45-CD7E9D6649B2}" type="datetimeFigureOut">
               <a:rPr lang="en-US" smtClean="0"/>
-              <a:t>5/24/23</a:t>
+              <a:t>5/25/23</a:t>
             </a:fld>
             <a:endParaRPr lang="en-US"/>
           </a:p>
@@ -3348,7 +3353,7 @@
           <a:p>
             <a:fld id="{FD98F357-C595-094C-9E45-CD7E9D6649B2}" type="datetimeFigureOut">
               <a:rPr lang="en-US" smtClean="0"/>
-              <a:t>5/24/23</a:t>
+              <a:t>5/25/23</a:t>
             </a:fld>
             <a:endParaRPr lang="en-US"/>
           </a:p>
@@ -4397,7 +4402,7 @@
             <a:pPr lvl="1"/>
             <a:r>
               <a:rPr lang="en-US" dirty="0"/>
-              <a:t>Low cost ($10/sensor)</a:t>
+              <a:t>Low cost ($1.85/sensor)</a:t>
             </a:r>
           </a:p>
           <a:p>
@@ -7199,7 +7204,7 @@
             <a:pPr algn="ctr"/>
             <a:r>
               <a:rPr lang="en-US" b="1" dirty="0"/>
-              <a:t>Total Cost of Materials: $98.15</a:t>
+              <a:t>Total Cost of Materials: $74.80</a:t>
             </a:r>
           </a:p>
           <a:p>
@@ -7223,7 +7228,7 @@
           <p:nvPr>
             <p:extLst>
               <p:ext uri="{D42A27DB-BD31-4B8C-83A1-F6EECF244321}">
-                <p14:modId xmlns:p14="http://schemas.microsoft.com/office/powerpoint/2010/main" val="796567296"/>
+                <p14:modId xmlns:p14="http://schemas.microsoft.com/office/powerpoint/2010/main" val="3300770757"/>
               </p:ext>
             </p:extLst>
           </p:nvPr>
@@ -7328,7 +7333,7 @@
                     <a:p>
                       <a:r>
                         <a:rPr lang="en-US" dirty="0"/>
-                        <a:t>$8.19</a:t>
+                        <a:t>$6.99</a:t>
                       </a:r>
                     </a:p>
                   </a:txBody>
@@ -7381,7 +7386,7 @@
                     <a:p>
                       <a:r>
                         <a:rPr lang="en-US" dirty="0"/>
-                        <a:t>$9.99</a:t>
+                        <a:t>$1.85</a:t>
                       </a:r>
                     </a:p>
                   </a:txBody>
@@ -7486,7 +7491,7 @@
                     <a:p>
                       <a:r>
                         <a:rPr lang="en-US" dirty="0"/>
-                        <a:t>$19.99</a:t>
+                        <a:t>$5.98</a:t>
                       </a:r>
                     </a:p>
                   </a:txBody>
